--- a/NPV - Presentations OCT WE A/ITP_NPV.pptx
+++ b/NPV - Presentations OCT WE A/ITP_NPV.pptx
@@ -11,10 +11,12 @@
     <p:sldId id="257" r:id="rId5"/>
     <p:sldId id="266" r:id="rId6"/>
     <p:sldId id="263" r:id="rId7"/>
-    <p:sldId id="259" r:id="rId8"/>
-    <p:sldId id="260" r:id="rId9"/>
-    <p:sldId id="261" r:id="rId10"/>
-    <p:sldId id="262" r:id="rId11"/>
+    <p:sldId id="268" r:id="rId8"/>
+    <p:sldId id="269" r:id="rId9"/>
+    <p:sldId id="262" r:id="rId10"/>
+    <p:sldId id="261" r:id="rId11"/>
+    <p:sldId id="260" r:id="rId12"/>
+    <p:sldId id="259" r:id="rId13"/>
   </p:sldIdLst>
   <p:sldSz cx="12192000" cy="6858000"/>
   <p:notesSz cx="6858000" cy="9144000"/>
@@ -113,6 +115,11 @@
       </a:defRPr>
     </a:lvl9pPr>
   </p:defaultTextStyle>
+  <p:extLst>
+    <p:ext uri="{EFAFB233-063F-42B5-8137-9DF3F51BA10A}">
+      <p15:sldGuideLst xmlns:p15="http://schemas.microsoft.com/office/powerpoint/2012/main"/>
+    </p:ext>
+  </p:extLst>
 </p:presentation>
 </file>
 
@@ -4040,7 +4047,7 @@
           <p:cNvPr id="2" name="Title 1">
             <a:extLst>
               <a:ext uri="{FF2B5EF4-FFF2-40B4-BE49-F238E27FC236}">
-                <a16:creationId xmlns:a16="http://schemas.microsoft.com/office/drawing/2014/main" id="{5D996515-19A2-C842-876C-F00AB685B988}"/>
+                <a16:creationId xmlns:a16="http://schemas.microsoft.com/office/drawing/2014/main" id="{B6F7FBB5-0B9D-3743-87B6-936B774939C2}"/>
               </a:ext>
             </a:extLst>
           </p:cNvPr>
@@ -4077,10 +4084,10 @@
       </p:sp>
       <p:pic>
         <p:nvPicPr>
-          <p:cNvPr id="4098" name="Picture 2">
-            <a:extLst>
-              <a:ext uri="{FF2B5EF4-FFF2-40B4-BE49-F238E27FC236}">
-                <a16:creationId xmlns:a16="http://schemas.microsoft.com/office/drawing/2014/main" id="{6247B4B2-2310-9A43-9820-DB3164E14490}"/>
+          <p:cNvPr id="3074" name="Picture 2">
+            <a:extLst>
+              <a:ext uri="{FF2B5EF4-FFF2-40B4-BE49-F238E27FC236}">
+                <a16:creationId xmlns:a16="http://schemas.microsoft.com/office/drawing/2014/main" id="{8D2F1B13-2FCC-C64B-B5CB-DAF628F10493}"/>
               </a:ext>
             </a:extLst>
           </p:cNvPr>
@@ -4097,7 +4104,7 @@
               </a:ext>
             </a:extLst>
           </a:blip>
-          <a:srcRect l="8117" r="5829"/>
+          <a:srcRect t="1649" r="-1" b="1755"/>
           <a:stretch/>
         </p:blipFill>
         <p:spPr bwMode="auto">
@@ -4177,7 +4184,545 @@
     </p:spTree>
     <p:extLst>
       <p:ext uri="{BB962C8B-B14F-4D97-AF65-F5344CB8AC3E}">
-        <p14:creationId xmlns:p14="http://schemas.microsoft.com/office/powerpoint/2010/main" val="2650956977"/>
+        <p14:creationId xmlns:p14="http://schemas.microsoft.com/office/powerpoint/2010/main" val="3532326077"/>
+      </p:ext>
+    </p:extLst>
+  </p:cSld>
+  <p:clrMapOvr>
+    <a:masterClrMapping/>
+  </p:clrMapOvr>
+</p:sld>
+</file>
+
+<file path=ppt/slides/slide11.xml><?xml version="1.0" encoding="utf-8"?>
+<p:sld xmlns:a="http://schemas.openxmlformats.org/drawingml/2006/main" xmlns:r="http://schemas.openxmlformats.org/officeDocument/2006/relationships" xmlns:p="http://schemas.openxmlformats.org/presentationml/2006/main">
+  <p:cSld>
+    <p:bg>
+      <p:bgPr>
+        <a:solidFill>
+          <a:schemeClr val="bg1"/>
+        </a:solidFill>
+        <a:effectLst/>
+      </p:bgPr>
+    </p:bg>
+    <p:spTree>
+      <p:nvGrpSpPr>
+        <p:cNvPr id="1" name=""/>
+        <p:cNvGrpSpPr/>
+        <p:nvPr/>
+      </p:nvGrpSpPr>
+      <p:grpSpPr>
+        <a:xfrm>
+          <a:off x="0" y="0"/>
+          <a:ext cx="0" cy="0"/>
+          <a:chOff x="0" y="0"/>
+          <a:chExt cx="0" cy="0"/>
+        </a:xfrm>
+      </p:grpSpPr>
+      <p:sp>
+        <p:nvSpPr>
+          <p:cNvPr id="73" name="Rectangle 72">
+            <a:extLst>
+              <a:ext uri="{FF2B5EF4-FFF2-40B4-BE49-F238E27FC236}">
+                <a16:creationId xmlns:a16="http://schemas.microsoft.com/office/drawing/2014/main" id="{86295E7F-EA66-480B-B001-C8BE7CD61903}"/>
+              </a:ext>
+              <a:ext uri="{C183D7F6-B498-43B3-948B-1728B52AA6E4}">
+                <adec:decorative xmlns:adec="http://schemas.microsoft.com/office/drawing/2017/decorative" val="1"/>
+              </a:ext>
+            </a:extLst>
+          </p:cNvPr>
+          <p:cNvSpPr>
+            <a:spLocks noGrp="1" noRot="1" noChangeAspect="1" noMove="1" noResize="1" noEditPoints="1" noAdjustHandles="1" noChangeArrowheads="1" noChangeShapeType="1" noTextEdit="1"/>
+          </p:cNvSpPr>
+          <p:nvPr>
+            <p:extLst>
+              <p:ext uri="{386F3935-93C4-4BCD-93E2-E3B085C9AB24}">
+                <p16:designElem xmlns:p16="http://schemas.microsoft.com/office/powerpoint/2015/main" val="1"/>
+              </p:ext>
+            </p:extLst>
+          </p:nvPr>
+        </p:nvSpPr>
+        <p:spPr bwMode="ltGray">
+          <a:xfrm>
+            <a:off x="320040" y="4892040"/>
+            <a:ext cx="11548872" cy="1645920"/>
+          </a:xfrm>
+          <a:prstGeom prst="rect">
+            <a:avLst/>
+          </a:prstGeom>
+          <a:solidFill>
+            <a:srgbClr val="262626"/>
+          </a:solidFill>
+          <a:ln w="127000" cap="sq" cmpd="thinThick">
+            <a:noFill/>
+          </a:ln>
+        </p:spPr>
+        <p:style>
+          <a:lnRef idx="2">
+            <a:schemeClr val="accent1">
+              <a:shade val="50000"/>
+            </a:schemeClr>
+          </a:lnRef>
+          <a:fillRef idx="1">
+            <a:schemeClr val="accent1"/>
+          </a:fillRef>
+          <a:effectRef idx="0">
+            <a:schemeClr val="accent1"/>
+          </a:effectRef>
+          <a:fontRef idx="minor">
+            <a:schemeClr val="lt1"/>
+          </a:fontRef>
+        </p:style>
+        <p:txBody>
+          <a:bodyPr rtlCol="0" anchor="ctr"/>
+          <a:lstStyle/>
+          <a:p>
+            <a:pPr marL="0" marR="0" lvl="0" indent="0" algn="ctr" defTabSz="914400" rtl="0" eaLnBrk="1" fontAlgn="auto" latinLnBrk="0" hangingPunct="1">
+              <a:lnSpc>
+                <a:spcPct val="100000"/>
+              </a:lnSpc>
+              <a:spcBef>
+                <a:spcPts val="0"/>
+              </a:spcBef>
+              <a:spcAft>
+                <a:spcPts val="0"/>
+              </a:spcAft>
+              <a:buClrTx/>
+              <a:buSzTx/>
+              <a:buFontTx/>
+              <a:buNone/>
+              <a:tabLst/>
+              <a:defRPr/>
+            </a:pPr>
+            <a:endParaRPr kumimoji="0" lang="en-US" sz="1800" b="0" i="0" u="none" strike="noStrike" kern="1200" cap="none" spc="0" normalizeH="0" baseline="0" noProof="0">
+              <a:ln>
+                <a:noFill/>
+              </a:ln>
+              <a:solidFill>
+                <a:prstClr val="white"/>
+              </a:solidFill>
+              <a:effectLst/>
+              <a:uLnTx/>
+              <a:uFillTx/>
+              <a:latin typeface="Calibri" panose="020F0502020204030204"/>
+              <a:ea typeface="+mn-ea"/>
+              <a:cs typeface="+mn-cs"/>
+            </a:endParaRPr>
+          </a:p>
+        </p:txBody>
+      </p:sp>
+      <p:sp>
+        <p:nvSpPr>
+          <p:cNvPr id="2" name="Title 1">
+            <a:extLst>
+              <a:ext uri="{FF2B5EF4-FFF2-40B4-BE49-F238E27FC236}">
+                <a16:creationId xmlns:a16="http://schemas.microsoft.com/office/drawing/2014/main" id="{951FD6DA-0007-0948-97C3-F979CA148213}"/>
+              </a:ext>
+            </a:extLst>
+          </p:cNvPr>
+          <p:cNvSpPr>
+            <a:spLocks noGrp="1"/>
+          </p:cNvSpPr>
+          <p:nvPr>
+            <p:ph type="title"/>
+          </p:nvPr>
+        </p:nvSpPr>
+        <p:spPr>
+          <a:xfrm>
+            <a:off x="718686" y="5091762"/>
+            <a:ext cx="7484787" cy="1264588"/>
+          </a:xfrm>
+        </p:spPr>
+        <p:txBody>
+          <a:bodyPr vert="horz" lIns="91440" tIns="45720" rIns="91440" bIns="45720" rtlCol="0" anchor="ctr">
+            <a:normAutofit/>
+          </a:bodyPr>
+          <a:lstStyle/>
+          <a:p>
+            <a:pPr algn="r"/>
+            <a:r>
+              <a:rPr lang="en-US" sz="4800">
+                <a:solidFill>
+                  <a:srgbClr val="FFFFFF"/>
+                </a:solidFill>
+              </a:rPr>
+              <a:t>NPV - Bivariant</a:t>
+            </a:r>
+          </a:p>
+        </p:txBody>
+      </p:sp>
+      <p:pic>
+        <p:nvPicPr>
+          <p:cNvPr id="2052" name="Picture 4">
+            <a:extLst>
+              <a:ext uri="{FF2B5EF4-FFF2-40B4-BE49-F238E27FC236}">
+                <a16:creationId xmlns:a16="http://schemas.microsoft.com/office/drawing/2014/main" id="{9278323F-A83C-C04D-A1D8-B3915B08B9B7}"/>
+              </a:ext>
+            </a:extLst>
+          </p:cNvPr>
+          <p:cNvPicPr>
+            <a:picLocks noChangeAspect="1" noChangeArrowheads="1"/>
+          </p:cNvPicPr>
+          <p:nvPr/>
+        </p:nvPicPr>
+        <p:blipFill rotWithShape="1">
+          <a:blip r:embed="rId2">
+            <a:extLst>
+              <a:ext uri="{28A0092B-C50C-407E-A947-70E740481C1C}">
+                <a14:useLocalDpi xmlns:a14="http://schemas.microsoft.com/office/drawing/2010/main" val="0"/>
+              </a:ext>
+            </a:extLst>
+          </a:blip>
+          <a:srcRect l="9574" r="4372"/>
+          <a:stretch/>
+        </p:blipFill>
+        <p:spPr bwMode="auto">
+          <a:xfrm>
+            <a:off x="320040" y="320040"/>
+            <a:ext cx="11548872" cy="4462272"/>
+          </a:xfrm>
+          <a:prstGeom prst="rect">
+            <a:avLst/>
+          </a:prstGeom>
+          <a:noFill/>
+          <a:extLst>
+            <a:ext uri="{909E8E84-426E-40DD-AFC4-6F175D3DCCD1}">
+              <a14:hiddenFill xmlns:a14="http://schemas.microsoft.com/office/drawing/2010/main">
+                <a:solidFill>
+                  <a:srgbClr val="FFFFFF"/>
+                </a:solidFill>
+              </a14:hiddenFill>
+            </a:ext>
+          </a:extLst>
+        </p:spPr>
+      </p:pic>
+      <p:cxnSp>
+        <p:nvCxnSpPr>
+          <p:cNvPr id="75" name="Straight Connector 74">
+            <a:extLst>
+              <a:ext uri="{FF2B5EF4-FFF2-40B4-BE49-F238E27FC236}">
+                <a16:creationId xmlns:a16="http://schemas.microsoft.com/office/drawing/2014/main" id="{E126E481-B945-4179-BD79-05E96E9B29E1}"/>
+              </a:ext>
+              <a:ext uri="{C183D7F6-B498-43B3-948B-1728B52AA6E4}">
+                <adec:decorative xmlns:adec="http://schemas.microsoft.com/office/drawing/2017/decorative" val="1"/>
+              </a:ext>
+            </a:extLst>
+          </p:cNvPr>
+          <p:cNvCxnSpPr>
+            <a:cxnSpLocks noGrp="1" noRot="1" noChangeAspect="1" noMove="1" noResize="1" noEditPoints="1" noAdjustHandles="1" noChangeArrowheads="1" noChangeShapeType="1"/>
+          </p:cNvCxnSpPr>
+          <p:nvPr>
+            <p:extLst>
+              <p:ext uri="{386F3935-93C4-4BCD-93E2-E3B085C9AB24}">
+                <p16:designElem xmlns:p16="http://schemas.microsoft.com/office/powerpoint/2015/main" val="1"/>
+              </p:ext>
+            </p:extLst>
+          </p:nvPr>
+        </p:nvCxnSpPr>
+        <p:spPr>
+          <a:xfrm flipV="1">
+            <a:off x="8386843" y="5264106"/>
+            <a:ext cx="0" cy="914400"/>
+          </a:xfrm>
+          <a:prstGeom prst="line">
+            <a:avLst/>
+          </a:prstGeom>
+          <a:ln w="19050">
+            <a:solidFill>
+              <a:srgbClr val="FFFFFF">
+                <a:alpha val="80000"/>
+              </a:srgbClr>
+            </a:solidFill>
+          </a:ln>
+        </p:spPr>
+        <p:style>
+          <a:lnRef idx="1">
+            <a:schemeClr val="accent1"/>
+          </a:lnRef>
+          <a:fillRef idx="0">
+            <a:schemeClr val="accent1"/>
+          </a:fillRef>
+          <a:effectRef idx="0">
+            <a:schemeClr val="accent1"/>
+          </a:effectRef>
+          <a:fontRef idx="minor">
+            <a:schemeClr val="tx1"/>
+          </a:fontRef>
+        </p:style>
+      </p:cxnSp>
+    </p:spTree>
+    <p:extLst>
+      <p:ext uri="{BB962C8B-B14F-4D97-AF65-F5344CB8AC3E}">
+        <p14:creationId xmlns:p14="http://schemas.microsoft.com/office/powerpoint/2010/main" val="4148916941"/>
+      </p:ext>
+    </p:extLst>
+  </p:cSld>
+  <p:clrMapOvr>
+    <a:masterClrMapping/>
+  </p:clrMapOvr>
+</p:sld>
+</file>
+
+<file path=ppt/slides/slide12.xml><?xml version="1.0" encoding="utf-8"?>
+<p:sld xmlns:a="http://schemas.openxmlformats.org/drawingml/2006/main" xmlns:r="http://schemas.openxmlformats.org/officeDocument/2006/relationships" xmlns:p="http://schemas.openxmlformats.org/presentationml/2006/main">
+  <p:cSld>
+    <p:bg>
+      <p:bgPr>
+        <a:solidFill>
+          <a:schemeClr val="bg1"/>
+        </a:solidFill>
+        <a:effectLst/>
+      </p:bgPr>
+    </p:bg>
+    <p:spTree>
+      <p:nvGrpSpPr>
+        <p:cNvPr id="1" name=""/>
+        <p:cNvGrpSpPr/>
+        <p:nvPr/>
+      </p:nvGrpSpPr>
+      <p:grpSpPr>
+        <a:xfrm>
+          <a:off x="0" y="0"/>
+          <a:ext cx="0" cy="0"/>
+          <a:chOff x="0" y="0"/>
+          <a:chExt cx="0" cy="0"/>
+        </a:xfrm>
+      </p:grpSpPr>
+      <p:sp>
+        <p:nvSpPr>
+          <p:cNvPr id="71" name="Rectangle 70">
+            <a:extLst>
+              <a:ext uri="{FF2B5EF4-FFF2-40B4-BE49-F238E27FC236}">
+                <a16:creationId xmlns:a16="http://schemas.microsoft.com/office/drawing/2014/main" id="{86295E7F-EA66-480B-B001-C8BE7CD61903}"/>
+              </a:ext>
+              <a:ext uri="{C183D7F6-B498-43B3-948B-1728B52AA6E4}">
+                <adec:decorative xmlns:adec="http://schemas.microsoft.com/office/drawing/2017/decorative" val="1"/>
+              </a:ext>
+            </a:extLst>
+          </p:cNvPr>
+          <p:cNvSpPr>
+            <a:spLocks noGrp="1" noRot="1" noChangeAspect="1" noMove="1" noResize="1" noEditPoints="1" noAdjustHandles="1" noChangeArrowheads="1" noChangeShapeType="1" noTextEdit="1"/>
+          </p:cNvSpPr>
+          <p:nvPr>
+            <p:extLst>
+              <p:ext uri="{386F3935-93C4-4BCD-93E2-E3B085C9AB24}">
+                <p16:designElem xmlns:p16="http://schemas.microsoft.com/office/powerpoint/2015/main" val="1"/>
+              </p:ext>
+            </p:extLst>
+          </p:nvPr>
+        </p:nvSpPr>
+        <p:spPr bwMode="ltGray">
+          <a:xfrm>
+            <a:off x="320040" y="4892040"/>
+            <a:ext cx="11548872" cy="1645920"/>
+          </a:xfrm>
+          <a:prstGeom prst="rect">
+            <a:avLst/>
+          </a:prstGeom>
+          <a:solidFill>
+            <a:srgbClr val="262626"/>
+          </a:solidFill>
+          <a:ln w="127000" cap="sq" cmpd="thinThick">
+            <a:noFill/>
+          </a:ln>
+        </p:spPr>
+        <p:style>
+          <a:lnRef idx="2">
+            <a:schemeClr val="accent1">
+              <a:shade val="50000"/>
+            </a:schemeClr>
+          </a:lnRef>
+          <a:fillRef idx="1">
+            <a:schemeClr val="accent1"/>
+          </a:fillRef>
+          <a:effectRef idx="0">
+            <a:schemeClr val="accent1"/>
+          </a:effectRef>
+          <a:fontRef idx="minor">
+            <a:schemeClr val="lt1"/>
+          </a:fontRef>
+        </p:style>
+        <p:txBody>
+          <a:bodyPr rtlCol="0" anchor="ctr"/>
+          <a:lstStyle/>
+          <a:p>
+            <a:pPr marL="0" marR="0" lvl="0" indent="0" algn="ctr" defTabSz="914400" rtl="0" eaLnBrk="1" fontAlgn="auto" latinLnBrk="0" hangingPunct="1">
+              <a:lnSpc>
+                <a:spcPct val="100000"/>
+              </a:lnSpc>
+              <a:spcBef>
+                <a:spcPts val="0"/>
+              </a:spcBef>
+              <a:spcAft>
+                <a:spcPts val="0"/>
+              </a:spcAft>
+              <a:buClrTx/>
+              <a:buSzTx/>
+              <a:buFontTx/>
+              <a:buNone/>
+              <a:tabLst/>
+              <a:defRPr/>
+            </a:pPr>
+            <a:endParaRPr kumimoji="0" lang="en-US" sz="1800" b="0" i="0" u="none" strike="noStrike" kern="1200" cap="none" spc="0" normalizeH="0" baseline="0" noProof="0">
+              <a:ln>
+                <a:noFill/>
+              </a:ln>
+              <a:solidFill>
+                <a:prstClr val="white"/>
+              </a:solidFill>
+              <a:effectLst/>
+              <a:uLnTx/>
+              <a:uFillTx/>
+              <a:latin typeface="Calibri" panose="020F0502020204030204"/>
+              <a:ea typeface="+mn-ea"/>
+              <a:cs typeface="+mn-cs"/>
+            </a:endParaRPr>
+          </a:p>
+        </p:txBody>
+      </p:sp>
+      <p:sp>
+        <p:nvSpPr>
+          <p:cNvPr id="2" name="Title 1">
+            <a:extLst>
+              <a:ext uri="{FF2B5EF4-FFF2-40B4-BE49-F238E27FC236}">
+                <a16:creationId xmlns:a16="http://schemas.microsoft.com/office/drawing/2014/main" id="{4F0A937D-5432-8942-AA06-375368227A8C}"/>
+              </a:ext>
+            </a:extLst>
+          </p:cNvPr>
+          <p:cNvSpPr>
+            <a:spLocks noGrp="1"/>
+          </p:cNvSpPr>
+          <p:nvPr>
+            <p:ph type="title"/>
+          </p:nvPr>
+        </p:nvSpPr>
+        <p:spPr>
+          <a:xfrm>
+            <a:off x="718686" y="5091762"/>
+            <a:ext cx="7484787" cy="1264588"/>
+          </a:xfrm>
+        </p:spPr>
+        <p:txBody>
+          <a:bodyPr vert="horz" lIns="91440" tIns="45720" rIns="91440" bIns="45720" rtlCol="0" anchor="ctr">
+            <a:normAutofit/>
+          </a:bodyPr>
+          <a:lstStyle/>
+          <a:p>
+            <a:pPr algn="r"/>
+            <a:r>
+              <a:rPr lang="en-US" sz="4800" dirty="0">
+                <a:solidFill>
+                  <a:srgbClr val="FFFFFF"/>
+                </a:solidFill>
+              </a:rPr>
+              <a:t>NPV – Univariant</a:t>
+            </a:r>
+          </a:p>
+        </p:txBody>
+      </p:sp>
+      <p:pic>
+        <p:nvPicPr>
+          <p:cNvPr id="1026" name="Picture 2">
+            <a:extLst>
+              <a:ext uri="{FF2B5EF4-FFF2-40B4-BE49-F238E27FC236}">
+                <a16:creationId xmlns:a16="http://schemas.microsoft.com/office/drawing/2014/main" id="{0C105348-55C8-7E44-8751-E4522BCFB5DB}"/>
+              </a:ext>
+            </a:extLst>
+          </p:cNvPr>
+          <p:cNvPicPr>
+            <a:picLocks noChangeAspect="1" noChangeArrowheads="1"/>
+          </p:cNvPicPr>
+          <p:nvPr/>
+        </p:nvPicPr>
+        <p:blipFill rotWithShape="1">
+          <a:blip r:embed="rId2">
+            <a:extLst>
+              <a:ext uri="{28A0092B-C50C-407E-A947-70E740481C1C}">
+                <a14:useLocalDpi xmlns:a14="http://schemas.microsoft.com/office/drawing/2010/main" val="0"/>
+              </a:ext>
+            </a:extLst>
+          </a:blip>
+          <a:srcRect t="3405" r="-1" b="-1"/>
+          <a:stretch/>
+        </p:blipFill>
+        <p:spPr bwMode="auto">
+          <a:xfrm>
+            <a:off x="320040" y="320040"/>
+            <a:ext cx="11548872" cy="4462272"/>
+          </a:xfrm>
+          <a:prstGeom prst="rect">
+            <a:avLst/>
+          </a:prstGeom>
+          <a:noFill/>
+          <a:extLst>
+            <a:ext uri="{909E8E84-426E-40DD-AFC4-6F175D3DCCD1}">
+              <a14:hiddenFill xmlns:a14="http://schemas.microsoft.com/office/drawing/2010/main">
+                <a:solidFill>
+                  <a:srgbClr val="FFFFFF"/>
+                </a:solidFill>
+              </a14:hiddenFill>
+            </a:ext>
+          </a:extLst>
+        </p:spPr>
+      </p:pic>
+      <p:cxnSp>
+        <p:nvCxnSpPr>
+          <p:cNvPr id="73" name="Straight Connector 72">
+            <a:extLst>
+              <a:ext uri="{FF2B5EF4-FFF2-40B4-BE49-F238E27FC236}">
+                <a16:creationId xmlns:a16="http://schemas.microsoft.com/office/drawing/2014/main" id="{E126E481-B945-4179-BD79-05E96E9B29E1}"/>
+              </a:ext>
+              <a:ext uri="{C183D7F6-B498-43B3-948B-1728B52AA6E4}">
+                <adec:decorative xmlns:adec="http://schemas.microsoft.com/office/drawing/2017/decorative" val="1"/>
+              </a:ext>
+            </a:extLst>
+          </p:cNvPr>
+          <p:cNvCxnSpPr>
+            <a:cxnSpLocks noGrp="1" noRot="1" noChangeAspect="1" noMove="1" noResize="1" noEditPoints="1" noAdjustHandles="1" noChangeArrowheads="1" noChangeShapeType="1"/>
+          </p:cNvCxnSpPr>
+          <p:nvPr>
+            <p:extLst>
+              <p:ext uri="{386F3935-93C4-4BCD-93E2-E3B085C9AB24}">
+                <p16:designElem xmlns:p16="http://schemas.microsoft.com/office/powerpoint/2015/main" val="1"/>
+              </p:ext>
+            </p:extLst>
+          </p:nvPr>
+        </p:nvCxnSpPr>
+        <p:spPr>
+          <a:xfrm flipV="1">
+            <a:off x="8386843" y="5264106"/>
+            <a:ext cx="0" cy="914400"/>
+          </a:xfrm>
+          <a:prstGeom prst="line">
+            <a:avLst/>
+          </a:prstGeom>
+          <a:ln w="19050">
+            <a:solidFill>
+              <a:srgbClr val="FFFFFF">
+                <a:alpha val="80000"/>
+              </a:srgbClr>
+            </a:solidFill>
+          </a:ln>
+        </p:spPr>
+        <p:style>
+          <a:lnRef idx="1">
+            <a:schemeClr val="accent1"/>
+          </a:lnRef>
+          <a:fillRef idx="0">
+            <a:schemeClr val="accent1"/>
+          </a:fillRef>
+          <a:effectRef idx="0">
+            <a:schemeClr val="accent1"/>
+          </a:effectRef>
+          <a:fontRef idx="minor">
+            <a:schemeClr val="tx1"/>
+          </a:fontRef>
+        </p:style>
+      </p:cxnSp>
+    </p:spTree>
+    <p:extLst>
+      <p:ext uri="{BB962C8B-B14F-4D97-AF65-F5344CB8AC3E}">
+        <p14:creationId xmlns:p14="http://schemas.microsoft.com/office/powerpoint/2010/main" val="4009608727"/>
       </p:ext>
     </p:extLst>
   </p:cSld>
@@ -7476,6 +8021,632 @@
           <a:chExt cx="0" cy="0"/>
         </a:xfrm>
       </p:grpSpPr>
+      <p:pic>
+        <p:nvPicPr>
+          <p:cNvPr id="4" name="Picture 3" descr="Chart, text&#10;&#10;Description automatically generated">
+            <a:extLst>
+              <a:ext uri="{FF2B5EF4-FFF2-40B4-BE49-F238E27FC236}">
+                <a16:creationId xmlns:a16="http://schemas.microsoft.com/office/drawing/2014/main" id="{182CEABE-EE90-DD4A-899E-313337E63A42}"/>
+              </a:ext>
+            </a:extLst>
+          </p:cNvPr>
+          <p:cNvPicPr>
+            <a:picLocks noChangeAspect="1"/>
+          </p:cNvPicPr>
+          <p:nvPr/>
+        </p:nvPicPr>
+        <p:blipFill rotWithShape="1">
+          <a:blip r:embed="rId3"/>
+          <a:srcRect t="25913" r="-1" b="3835"/>
+          <a:stretch/>
+        </p:blipFill>
+        <p:spPr>
+          <a:xfrm>
+            <a:off x="320040" y="320040"/>
+            <a:ext cx="11548872" cy="4462272"/>
+          </a:xfrm>
+          <a:prstGeom prst="rect">
+            <a:avLst/>
+          </a:prstGeom>
+        </p:spPr>
+      </p:pic>
+      <p:sp>
+        <p:nvSpPr>
+          <p:cNvPr id="9" name="Rectangle 8">
+            <a:extLst>
+              <a:ext uri="{FF2B5EF4-FFF2-40B4-BE49-F238E27FC236}">
+                <a16:creationId xmlns:a16="http://schemas.microsoft.com/office/drawing/2014/main" id="{D38A241E-0395-41E5-8607-BAA2799A4374}"/>
+              </a:ext>
+              <a:ext uri="{C183D7F6-B498-43B3-948B-1728B52AA6E4}">
+                <adec:decorative xmlns:adec="http://schemas.microsoft.com/office/drawing/2017/decorative" val="1"/>
+              </a:ext>
+            </a:extLst>
+          </p:cNvPr>
+          <p:cNvSpPr>
+            <a:spLocks noGrp="1" noRot="1" noChangeAspect="1" noMove="1" noResize="1" noEditPoints="1" noAdjustHandles="1" noChangeArrowheads="1" noChangeShapeType="1" noTextEdit="1"/>
+          </p:cNvSpPr>
+          <p:nvPr>
+            <p:extLst>
+              <p:ext uri="{386F3935-93C4-4BCD-93E2-E3B085C9AB24}">
+                <p16:designElem xmlns:p16="http://schemas.microsoft.com/office/powerpoint/2015/main" val="1"/>
+              </p:ext>
+            </p:extLst>
+          </p:nvPr>
+        </p:nvSpPr>
+        <p:spPr bwMode="ltGray">
+          <a:xfrm>
+            <a:off x="321564" y="4892040"/>
+            <a:ext cx="11548872" cy="1645920"/>
+          </a:xfrm>
+          <a:prstGeom prst="rect">
+            <a:avLst/>
+          </a:prstGeom>
+          <a:solidFill>
+            <a:schemeClr val="tx1">
+              <a:lumMod val="75000"/>
+              <a:lumOff val="25000"/>
+            </a:schemeClr>
+          </a:solidFill>
+          <a:ln w="127000" cap="sq" cmpd="thinThick">
+            <a:noFill/>
+          </a:ln>
+        </p:spPr>
+        <p:style>
+          <a:lnRef idx="2">
+            <a:schemeClr val="accent1">
+              <a:shade val="50000"/>
+            </a:schemeClr>
+          </a:lnRef>
+          <a:fillRef idx="1">
+            <a:schemeClr val="accent1"/>
+          </a:fillRef>
+          <a:effectRef idx="0">
+            <a:schemeClr val="accent1"/>
+          </a:effectRef>
+          <a:fontRef idx="minor">
+            <a:schemeClr val="lt1"/>
+          </a:fontRef>
+        </p:style>
+        <p:txBody>
+          <a:bodyPr rtlCol="0" anchor="ctr"/>
+          <a:lstStyle/>
+          <a:p>
+            <a:pPr marL="0" marR="0" lvl="0" indent="0" algn="ctr" defTabSz="914400" rtl="0" eaLnBrk="1" fontAlgn="auto" latinLnBrk="0" hangingPunct="1">
+              <a:lnSpc>
+                <a:spcPct val="100000"/>
+              </a:lnSpc>
+              <a:spcBef>
+                <a:spcPts val="0"/>
+              </a:spcBef>
+              <a:spcAft>
+                <a:spcPts val="0"/>
+              </a:spcAft>
+              <a:buClrTx/>
+              <a:buSzTx/>
+              <a:buFontTx/>
+              <a:buNone/>
+              <a:tabLst/>
+              <a:defRPr/>
+            </a:pPr>
+            <a:endParaRPr kumimoji="0" lang="en-US" sz="1800" b="0" i="0" u="none" strike="noStrike" kern="1200" cap="none" spc="0" normalizeH="0" baseline="0" noProof="0">
+              <a:ln>
+                <a:noFill/>
+              </a:ln>
+              <a:solidFill>
+                <a:prstClr val="white"/>
+              </a:solidFill>
+              <a:effectLst/>
+              <a:uLnTx/>
+              <a:uFillTx/>
+              <a:latin typeface="Calibri" panose="020F0502020204030204"/>
+              <a:ea typeface="+mn-ea"/>
+              <a:cs typeface="+mn-cs"/>
+            </a:endParaRPr>
+          </a:p>
+        </p:txBody>
+      </p:sp>
+      <p:sp>
+        <p:nvSpPr>
+          <p:cNvPr id="2" name="Title 1">
+            <a:extLst>
+              <a:ext uri="{FF2B5EF4-FFF2-40B4-BE49-F238E27FC236}">
+                <a16:creationId xmlns:a16="http://schemas.microsoft.com/office/drawing/2014/main" id="{4F0A937D-5432-8942-AA06-375368227A8C}"/>
+              </a:ext>
+            </a:extLst>
+          </p:cNvPr>
+          <p:cNvSpPr>
+            <a:spLocks noGrp="1"/>
+          </p:cNvSpPr>
+          <p:nvPr>
+            <p:ph type="title"/>
+          </p:nvPr>
+        </p:nvSpPr>
+        <p:spPr>
+          <a:xfrm>
+            <a:off x="4380588" y="5093208"/>
+            <a:ext cx="6973204" cy="1261872"/>
+          </a:xfrm>
+        </p:spPr>
+        <p:txBody>
+          <a:bodyPr vert="horz" lIns="91440" tIns="45720" rIns="91440" bIns="45720" rtlCol="0" anchor="ctr">
+            <a:normAutofit/>
+          </a:bodyPr>
+          <a:lstStyle/>
+          <a:p>
+            <a:r>
+              <a:rPr lang="en-US" sz="4800" dirty="0">
+                <a:solidFill>
+                  <a:schemeClr val="bg1"/>
+                </a:solidFill>
+              </a:rPr>
+              <a:t>NPV – </a:t>
+            </a:r>
+            <a:r>
+              <a:rPr lang="en-US" sz="4800" dirty="0" err="1">
+                <a:solidFill>
+                  <a:schemeClr val="bg1"/>
+                </a:solidFill>
+              </a:rPr>
+              <a:t>Trivariant</a:t>
+            </a:r>
+            <a:endParaRPr lang="en-US" sz="4800" dirty="0">
+              <a:solidFill>
+                <a:schemeClr val="bg1"/>
+              </a:solidFill>
+            </a:endParaRPr>
+          </a:p>
+        </p:txBody>
+      </p:sp>
+      <p:cxnSp>
+        <p:nvCxnSpPr>
+          <p:cNvPr id="11" name="Straight Connector 10">
+            <a:extLst>
+              <a:ext uri="{FF2B5EF4-FFF2-40B4-BE49-F238E27FC236}">
+                <a16:creationId xmlns:a16="http://schemas.microsoft.com/office/drawing/2014/main" id="{CE352288-84AD-4CA8-BCD5-76C29D34E1DB}"/>
+              </a:ext>
+              <a:ext uri="{C183D7F6-B498-43B3-948B-1728B52AA6E4}">
+                <adec:decorative xmlns:adec="http://schemas.microsoft.com/office/drawing/2017/decorative" val="1"/>
+              </a:ext>
+            </a:extLst>
+          </p:cNvPr>
+          <p:cNvCxnSpPr>
+            <a:cxnSpLocks noGrp="1" noRot="1" noChangeAspect="1" noMove="1" noResize="1" noEditPoints="1" noAdjustHandles="1" noChangeArrowheads="1" noChangeShapeType="1"/>
+          </p:cNvCxnSpPr>
+          <p:nvPr>
+            <p:extLst>
+              <p:ext uri="{386F3935-93C4-4BCD-93E2-E3B085C9AB24}">
+                <p16:designElem xmlns:p16="http://schemas.microsoft.com/office/powerpoint/2015/main" val="1"/>
+              </p:ext>
+            </p:extLst>
+          </p:nvPr>
+        </p:nvCxnSpPr>
+        <p:spPr>
+          <a:xfrm flipV="1">
+            <a:off x="4059936" y="5264106"/>
+            <a:ext cx="0" cy="914400"/>
+          </a:xfrm>
+          <a:prstGeom prst="line">
+            <a:avLst/>
+          </a:prstGeom>
+          <a:ln w="19050">
+            <a:solidFill>
+              <a:schemeClr val="bg1">
+                <a:alpha val="80000"/>
+              </a:schemeClr>
+            </a:solidFill>
+          </a:ln>
+        </p:spPr>
+        <p:style>
+          <a:lnRef idx="1">
+            <a:schemeClr val="accent1"/>
+          </a:lnRef>
+          <a:fillRef idx="0">
+            <a:schemeClr val="accent1"/>
+          </a:fillRef>
+          <a:effectRef idx="0">
+            <a:schemeClr val="accent1"/>
+          </a:effectRef>
+          <a:fontRef idx="minor">
+            <a:schemeClr val="tx1"/>
+          </a:fontRef>
+        </p:style>
+      </p:cxnSp>
+    </p:spTree>
+    <p:extLst>
+      <p:ext uri="{BB962C8B-B14F-4D97-AF65-F5344CB8AC3E}">
+        <p14:creationId xmlns:p14="http://schemas.microsoft.com/office/powerpoint/2010/main" val="2261279909"/>
+      </p:ext>
+    </p:extLst>
+  </p:cSld>
+  <p:clrMapOvr>
+    <a:overrideClrMapping bg1="lt1" tx1="dk1" bg2="lt2" tx2="dk2" accent1="accent1" accent2="accent2" accent3="accent3" accent4="accent4" accent5="accent5" accent6="accent6" hlink="hlink" folHlink="folHlink"/>
+  </p:clrMapOvr>
+</p:sld>
+</file>
+
+<file path=ppt/slides/slide8.xml><?xml version="1.0" encoding="utf-8"?>
+<p:sld xmlns:a="http://schemas.openxmlformats.org/drawingml/2006/main" xmlns:r="http://schemas.openxmlformats.org/officeDocument/2006/relationships" xmlns:p="http://schemas.openxmlformats.org/presentationml/2006/main">
+  <p:cSld>
+    <p:bg>
+      <p:bgPr>
+        <a:solidFill>
+          <a:schemeClr val="bg1"/>
+        </a:solidFill>
+        <a:effectLst/>
+      </p:bgPr>
+    </p:bg>
+    <p:spTree>
+      <p:nvGrpSpPr>
+        <p:cNvPr id="1" name=""/>
+        <p:cNvGrpSpPr/>
+        <p:nvPr/>
+      </p:nvGrpSpPr>
+      <p:grpSpPr>
+        <a:xfrm>
+          <a:off x="0" y="0"/>
+          <a:ext cx="0" cy="0"/>
+          <a:chOff x="0" y="0"/>
+          <a:chExt cx="0" cy="0"/>
+        </a:xfrm>
+      </p:grpSpPr>
+      <p:sp useBgFill="1">
+        <p:nvSpPr>
+          <p:cNvPr id="78" name="Rectangle 77">
+            <a:extLst>
+              <a:ext uri="{FF2B5EF4-FFF2-40B4-BE49-F238E27FC236}">
+                <a16:creationId xmlns:a16="http://schemas.microsoft.com/office/drawing/2014/main" id="{E45B1D5C-0827-4AF0-8186-11FC5A8B8B92}"/>
+              </a:ext>
+              <a:ext uri="{C183D7F6-B498-43B3-948B-1728B52AA6E4}">
+                <adec:decorative xmlns:adec="http://schemas.microsoft.com/office/drawing/2017/decorative" val="1"/>
+              </a:ext>
+            </a:extLst>
+          </p:cNvPr>
+          <p:cNvSpPr>
+            <a:spLocks noGrp="1" noRot="1" noChangeAspect="1" noMove="1" noResize="1" noEditPoints="1" noAdjustHandles="1" noChangeArrowheads="1" noChangeShapeType="1" noTextEdit="1"/>
+          </p:cNvSpPr>
+          <p:nvPr>
+            <p:extLst>
+              <p:ext uri="{386F3935-93C4-4BCD-93E2-E3B085C9AB24}">
+                <p16:designElem xmlns:p16="http://schemas.microsoft.com/office/powerpoint/2015/main" val="1"/>
+              </p:ext>
+            </p:extLst>
+          </p:nvPr>
+        </p:nvSpPr>
+        <p:spPr>
+          <a:xfrm>
+            <a:off x="0" y="0"/>
+            <a:ext cx="12191999" cy="6857365"/>
+          </a:xfrm>
+          <a:prstGeom prst="rect">
+            <a:avLst/>
+          </a:prstGeom>
+          <a:ln>
+            <a:noFill/>
+          </a:ln>
+        </p:spPr>
+        <p:style>
+          <a:lnRef idx="2">
+            <a:schemeClr val="accent1">
+              <a:shade val="50000"/>
+            </a:schemeClr>
+          </a:lnRef>
+          <a:fillRef idx="1">
+            <a:schemeClr val="accent1"/>
+          </a:fillRef>
+          <a:effectRef idx="0">
+            <a:schemeClr val="accent1"/>
+          </a:effectRef>
+          <a:fontRef idx="minor">
+            <a:schemeClr val="lt1"/>
+          </a:fontRef>
+        </p:style>
+        <p:txBody>
+          <a:bodyPr rtlCol="0" anchor="ctr"/>
+          <a:lstStyle/>
+          <a:p>
+            <a:pPr algn="ctr"/>
+            <a:endParaRPr lang="en-US"/>
+          </a:p>
+        </p:txBody>
+      </p:sp>
+      <p:sp>
+        <p:nvSpPr>
+          <p:cNvPr id="2" name="Title 1">
+            <a:extLst>
+              <a:ext uri="{FF2B5EF4-FFF2-40B4-BE49-F238E27FC236}">
+                <a16:creationId xmlns:a16="http://schemas.microsoft.com/office/drawing/2014/main" id="{4F0A937D-5432-8942-AA06-375368227A8C}"/>
+              </a:ext>
+            </a:extLst>
+          </p:cNvPr>
+          <p:cNvSpPr>
+            <a:spLocks noGrp="1"/>
+          </p:cNvSpPr>
+          <p:nvPr>
+            <p:ph type="title"/>
+          </p:nvPr>
+        </p:nvSpPr>
+        <p:spPr>
+          <a:xfrm>
+            <a:off x="9267909" y="2023110"/>
+            <a:ext cx="2469624" cy="2846070"/>
+          </a:xfrm>
+        </p:spPr>
+        <p:txBody>
+          <a:bodyPr vert="horz" lIns="91440" tIns="45720" rIns="91440" bIns="45720" rtlCol="0" anchor="ctr">
+            <a:normAutofit/>
+          </a:bodyPr>
+          <a:lstStyle/>
+          <a:p>
+            <a:r>
+              <a:rPr lang="en-US" sz="3700" dirty="0"/>
+              <a:t>NPV – Multivariant</a:t>
+            </a:r>
+          </a:p>
+        </p:txBody>
+      </p:sp>
+      <p:sp>
+        <p:nvSpPr>
+          <p:cNvPr id="80" name="Rectangle 79">
+            <a:extLst>
+              <a:ext uri="{FF2B5EF4-FFF2-40B4-BE49-F238E27FC236}">
+                <a16:creationId xmlns:a16="http://schemas.microsoft.com/office/drawing/2014/main" id="{99413ED5-9ED4-4772-BCE4-2BCAE6B12E35}"/>
+              </a:ext>
+              <a:ext uri="{C183D7F6-B498-43B3-948B-1728B52AA6E4}">
+                <adec:decorative xmlns:adec="http://schemas.microsoft.com/office/drawing/2017/decorative" val="1"/>
+              </a:ext>
+            </a:extLst>
+          </p:cNvPr>
+          <p:cNvSpPr>
+            <a:spLocks noGrp="1" noRot="1" noChangeAspect="1" noMove="1" noResize="1" noEditPoints="1" noAdjustHandles="1" noChangeArrowheads="1" noChangeShapeType="1" noTextEdit="1"/>
+          </p:cNvSpPr>
+          <p:nvPr>
+            <p:extLst>
+              <p:ext uri="{386F3935-93C4-4BCD-93E2-E3B085C9AB24}">
+                <p16:designElem xmlns:p16="http://schemas.microsoft.com/office/powerpoint/2015/main" val="1"/>
+              </p:ext>
+            </p:extLst>
+          </p:nvPr>
+        </p:nvSpPr>
+        <p:spPr>
+          <a:xfrm rot="16200000">
+            <a:off x="3433973" y="-827233"/>
+            <a:ext cx="1715478" cy="8583421"/>
+          </a:xfrm>
+          <a:prstGeom prst="rect">
+            <a:avLst/>
+          </a:prstGeom>
+          <a:solidFill>
+            <a:schemeClr val="accent4"/>
+          </a:solidFill>
+          <a:ln>
+            <a:noFill/>
+          </a:ln>
+        </p:spPr>
+        <p:style>
+          <a:lnRef idx="2">
+            <a:schemeClr val="accent1">
+              <a:shade val="50000"/>
+            </a:schemeClr>
+          </a:lnRef>
+          <a:fillRef idx="1">
+            <a:schemeClr val="accent1"/>
+          </a:fillRef>
+          <a:effectRef idx="0">
+            <a:schemeClr val="accent1"/>
+          </a:effectRef>
+          <a:fontRef idx="minor">
+            <a:schemeClr val="lt1"/>
+          </a:fontRef>
+        </p:style>
+        <p:txBody>
+          <a:bodyPr rtlCol="0" anchor="ctr"/>
+          <a:lstStyle/>
+          <a:p>
+            <a:pPr algn="ctr"/>
+            <a:endParaRPr lang="en-US" dirty="0"/>
+          </a:p>
+        </p:txBody>
+      </p:sp>
+      <p:sp>
+        <p:nvSpPr>
+          <p:cNvPr id="82" name="Rectangle 81">
+            <a:extLst>
+              <a:ext uri="{FF2B5EF4-FFF2-40B4-BE49-F238E27FC236}">
+                <a16:creationId xmlns:a16="http://schemas.microsoft.com/office/drawing/2014/main" id="{04357C93-F0CB-4A1C-8F77-4E9063789819}"/>
+              </a:ext>
+              <a:ext uri="{C183D7F6-B498-43B3-948B-1728B52AA6E4}">
+                <adec:decorative xmlns:adec="http://schemas.microsoft.com/office/drawing/2017/decorative" val="1"/>
+              </a:ext>
+            </a:extLst>
+          </p:cNvPr>
+          <p:cNvSpPr>
+            <a:spLocks noGrp="1" noRot="1" noChangeAspect="1" noMove="1" noResize="1" noEditPoints="1" noAdjustHandles="1" noChangeArrowheads="1" noChangeShapeType="1" noTextEdit="1"/>
+          </p:cNvSpPr>
+          <p:nvPr>
+            <p:extLst>
+              <p:ext uri="{386F3935-93C4-4BCD-93E2-E3B085C9AB24}">
+                <p16:designElem xmlns:p16="http://schemas.microsoft.com/office/powerpoint/2015/main" val="1"/>
+              </p:ext>
+            </p:extLst>
+          </p:nvPr>
+        </p:nvSpPr>
+        <p:spPr>
+          <a:xfrm>
+            <a:off x="302085" y="664308"/>
+            <a:ext cx="8082632" cy="5600340"/>
+          </a:xfrm>
+          <a:prstGeom prst="rect">
+            <a:avLst/>
+          </a:prstGeom>
+          <a:solidFill>
+            <a:schemeClr val="bg1"/>
+          </a:solidFill>
+          <a:ln>
+            <a:noFill/>
+          </a:ln>
+          <a:effectLst>
+            <a:outerShdw blurRad="139700" dist="127000" dir="5400000" algn="t" rotWithShape="0">
+              <a:prstClr val="black">
+                <a:alpha val="15000"/>
+              </a:prstClr>
+            </a:outerShdw>
+          </a:effectLst>
+        </p:spPr>
+        <p:style>
+          <a:lnRef idx="2">
+            <a:schemeClr val="accent1">
+              <a:shade val="50000"/>
+            </a:schemeClr>
+          </a:lnRef>
+          <a:fillRef idx="1">
+            <a:schemeClr val="accent1"/>
+          </a:fillRef>
+          <a:effectRef idx="0">
+            <a:schemeClr val="accent1"/>
+          </a:effectRef>
+          <a:fontRef idx="minor">
+            <a:schemeClr val="lt1"/>
+          </a:fontRef>
+        </p:style>
+        <p:txBody>
+          <a:bodyPr rtlCol="0" anchor="ctr"/>
+          <a:lstStyle/>
+          <a:p>
+            <a:pPr algn="ctr"/>
+            <a:endParaRPr lang="en-US"/>
+          </a:p>
+        </p:txBody>
+      </p:sp>
+      <p:pic>
+        <p:nvPicPr>
+          <p:cNvPr id="4" name="Picture 3" descr="Chart, bar chart&#10;&#10;Description automatically generated">
+            <a:extLst>
+              <a:ext uri="{FF2B5EF4-FFF2-40B4-BE49-F238E27FC236}">
+                <a16:creationId xmlns:a16="http://schemas.microsoft.com/office/drawing/2014/main" id="{C15A833F-84D8-DB45-8EF1-19D00BFEA823}"/>
+              </a:ext>
+            </a:extLst>
+          </p:cNvPr>
+          <p:cNvPicPr>
+            <a:picLocks noChangeAspect="1"/>
+          </p:cNvPicPr>
+          <p:nvPr/>
+        </p:nvPicPr>
+        <p:blipFill rotWithShape="1">
+          <a:blip r:embed="rId3"/>
+          <a:srcRect r="1462" b="-2"/>
+          <a:stretch/>
+        </p:blipFill>
+        <p:spPr>
+          <a:xfrm>
+            <a:off x="545238" y="858525"/>
+            <a:ext cx="7608304" cy="5211906"/>
+          </a:xfrm>
+          <a:prstGeom prst="rect">
+            <a:avLst/>
+          </a:prstGeom>
+        </p:spPr>
+      </p:pic>
+      <p:sp>
+        <p:nvSpPr>
+          <p:cNvPr id="84" name="Rectangle 83">
+            <a:extLst>
+              <a:ext uri="{FF2B5EF4-FFF2-40B4-BE49-F238E27FC236}">
+                <a16:creationId xmlns:a16="http://schemas.microsoft.com/office/drawing/2014/main" id="{90F533E9-6690-41A8-A372-4C6C622D028D}"/>
+              </a:ext>
+              <a:ext uri="{C183D7F6-B498-43B3-948B-1728B52AA6E4}">
+                <adec:decorative xmlns:adec="http://schemas.microsoft.com/office/drawing/2017/decorative" val="1"/>
+              </a:ext>
+            </a:extLst>
+          </p:cNvPr>
+          <p:cNvSpPr>
+            <a:spLocks noGrp="1" noRot="1" noChangeAspect="1" noMove="1" noResize="1" noEditPoints="1" noAdjustHandles="1" noChangeArrowheads="1" noChangeShapeType="1" noTextEdit="1"/>
+          </p:cNvSpPr>
+          <p:nvPr>
+            <p:extLst>
+              <p:ext uri="{386F3935-93C4-4BCD-93E2-E3B085C9AB24}">
+                <p16:designElem xmlns:p16="http://schemas.microsoft.com/office/powerpoint/2015/main" val="1"/>
+              </p:ext>
+            </p:extLst>
+          </p:nvPr>
+        </p:nvSpPr>
+        <p:spPr>
+          <a:xfrm rot="5400000">
+            <a:off x="7950447" y="3392097"/>
+            <a:ext cx="1719072" cy="152382"/>
+          </a:xfrm>
+          <a:prstGeom prst="rect">
+            <a:avLst/>
+          </a:prstGeom>
+          <a:solidFill>
+            <a:schemeClr val="accent4"/>
+          </a:solidFill>
+          <a:ln>
+            <a:noFill/>
+          </a:ln>
+        </p:spPr>
+        <p:style>
+          <a:lnRef idx="2">
+            <a:schemeClr val="accent1">
+              <a:shade val="50000"/>
+            </a:schemeClr>
+          </a:lnRef>
+          <a:fillRef idx="1">
+            <a:schemeClr val="accent1"/>
+          </a:fillRef>
+          <a:effectRef idx="0">
+            <a:schemeClr val="accent1"/>
+          </a:effectRef>
+          <a:fontRef idx="minor">
+            <a:schemeClr val="lt1"/>
+          </a:fontRef>
+        </p:style>
+        <p:txBody>
+          <a:bodyPr rtlCol="0" anchor="ctr"/>
+          <a:lstStyle/>
+          <a:p>
+            <a:pPr algn="ctr"/>
+            <a:endParaRPr lang="en-US"/>
+          </a:p>
+        </p:txBody>
+      </p:sp>
+    </p:spTree>
+    <p:extLst>
+      <p:ext uri="{BB962C8B-B14F-4D97-AF65-F5344CB8AC3E}">
+        <p14:creationId xmlns:p14="http://schemas.microsoft.com/office/powerpoint/2010/main" val="4194438008"/>
+      </p:ext>
+    </p:extLst>
+  </p:cSld>
+  <p:clrMapOvr>
+    <a:masterClrMapping/>
+  </p:clrMapOvr>
+</p:sld>
+</file>
+
+<file path=ppt/slides/slide9.xml><?xml version="1.0" encoding="utf-8"?>
+<p:sld xmlns:a="http://schemas.openxmlformats.org/drawingml/2006/main" xmlns:r="http://schemas.openxmlformats.org/officeDocument/2006/relationships" xmlns:p="http://schemas.openxmlformats.org/presentationml/2006/main">
+  <p:cSld>
+    <p:bg>
+      <p:bgPr>
+        <a:solidFill>
+          <a:schemeClr val="bg1"/>
+        </a:solidFill>
+        <a:effectLst/>
+      </p:bgPr>
+    </p:bg>
+    <p:spTree>
+      <p:nvGrpSpPr>
+        <p:cNvPr id="1" name=""/>
+        <p:cNvGrpSpPr/>
+        <p:nvPr/>
+      </p:nvGrpSpPr>
+      <p:grpSpPr>
+        <a:xfrm>
+          <a:off x="0" y="0"/>
+          <a:ext cx="0" cy="0"/>
+          <a:chOff x="0" y="0"/>
+          <a:chExt cx="0" cy="0"/>
+        </a:xfrm>
+      </p:grpSpPr>
       <p:sp>
         <p:nvSpPr>
           <p:cNvPr id="71" name="Rectangle 70">
@@ -7573,7 +8744,7 @@
           <p:cNvPr id="2" name="Title 1">
             <a:extLst>
               <a:ext uri="{FF2B5EF4-FFF2-40B4-BE49-F238E27FC236}">
-                <a16:creationId xmlns:a16="http://schemas.microsoft.com/office/drawing/2014/main" id="{4F0A937D-5432-8942-AA06-375368227A8C}"/>
+                <a16:creationId xmlns:a16="http://schemas.microsoft.com/office/drawing/2014/main" id="{5D996515-19A2-C842-876C-F00AB685B988}"/>
               </a:ext>
             </a:extLst>
           </p:cNvPr>
@@ -7603,17 +8774,17 @@
                   <a:srgbClr val="FFFFFF"/>
                 </a:solidFill>
               </a:rPr>
-              <a:t>NPV – Univariant</a:t>
+              <a:t>NPV - Bivariant</a:t>
             </a:r>
           </a:p>
         </p:txBody>
       </p:sp>
       <p:pic>
         <p:nvPicPr>
-          <p:cNvPr id="1026" name="Picture 2">
-            <a:extLst>
-              <a:ext uri="{FF2B5EF4-FFF2-40B4-BE49-F238E27FC236}">
-                <a16:creationId xmlns:a16="http://schemas.microsoft.com/office/drawing/2014/main" id="{0C105348-55C8-7E44-8751-E4522BCFB5DB}"/>
+          <p:cNvPr id="4098" name="Picture 2">
+            <a:extLst>
+              <a:ext uri="{FF2B5EF4-FFF2-40B4-BE49-F238E27FC236}">
+                <a16:creationId xmlns:a16="http://schemas.microsoft.com/office/drawing/2014/main" id="{6247B4B2-2310-9A43-9820-DB3164E14490}"/>
               </a:ext>
             </a:extLst>
           </p:cNvPr>
@@ -7630,7 +8801,7 @@
               </a:ext>
             </a:extLst>
           </a:blip>
-          <a:srcRect t="3405" r="-1" b="-1"/>
+          <a:srcRect l="8117" r="5829"/>
           <a:stretch/>
         </p:blipFill>
         <p:spPr bwMode="auto">
@@ -7710,545 +8881,7 @@
     </p:spTree>
     <p:extLst>
       <p:ext uri="{BB962C8B-B14F-4D97-AF65-F5344CB8AC3E}">
-        <p14:creationId xmlns:p14="http://schemas.microsoft.com/office/powerpoint/2010/main" val="4009608727"/>
-      </p:ext>
-    </p:extLst>
-  </p:cSld>
-  <p:clrMapOvr>
-    <a:masterClrMapping/>
-  </p:clrMapOvr>
-</p:sld>
-</file>
-
-<file path=ppt/slides/slide8.xml><?xml version="1.0" encoding="utf-8"?>
-<p:sld xmlns:a="http://schemas.openxmlformats.org/drawingml/2006/main" xmlns:r="http://schemas.openxmlformats.org/officeDocument/2006/relationships" xmlns:p="http://schemas.openxmlformats.org/presentationml/2006/main">
-  <p:cSld>
-    <p:bg>
-      <p:bgPr>
-        <a:solidFill>
-          <a:schemeClr val="bg1"/>
-        </a:solidFill>
-        <a:effectLst/>
-      </p:bgPr>
-    </p:bg>
-    <p:spTree>
-      <p:nvGrpSpPr>
-        <p:cNvPr id="1" name=""/>
-        <p:cNvGrpSpPr/>
-        <p:nvPr/>
-      </p:nvGrpSpPr>
-      <p:grpSpPr>
-        <a:xfrm>
-          <a:off x="0" y="0"/>
-          <a:ext cx="0" cy="0"/>
-          <a:chOff x="0" y="0"/>
-          <a:chExt cx="0" cy="0"/>
-        </a:xfrm>
-      </p:grpSpPr>
-      <p:sp>
-        <p:nvSpPr>
-          <p:cNvPr id="73" name="Rectangle 72">
-            <a:extLst>
-              <a:ext uri="{FF2B5EF4-FFF2-40B4-BE49-F238E27FC236}">
-                <a16:creationId xmlns:a16="http://schemas.microsoft.com/office/drawing/2014/main" id="{86295E7F-EA66-480B-B001-C8BE7CD61903}"/>
-              </a:ext>
-              <a:ext uri="{C183D7F6-B498-43B3-948B-1728B52AA6E4}">
-                <adec:decorative xmlns:adec="http://schemas.microsoft.com/office/drawing/2017/decorative" val="1"/>
-              </a:ext>
-            </a:extLst>
-          </p:cNvPr>
-          <p:cNvSpPr>
-            <a:spLocks noGrp="1" noRot="1" noChangeAspect="1" noMove="1" noResize="1" noEditPoints="1" noAdjustHandles="1" noChangeArrowheads="1" noChangeShapeType="1" noTextEdit="1"/>
-          </p:cNvSpPr>
-          <p:nvPr>
-            <p:extLst>
-              <p:ext uri="{386F3935-93C4-4BCD-93E2-E3B085C9AB24}">
-                <p16:designElem xmlns:p16="http://schemas.microsoft.com/office/powerpoint/2015/main" val="1"/>
-              </p:ext>
-            </p:extLst>
-          </p:nvPr>
-        </p:nvSpPr>
-        <p:spPr bwMode="ltGray">
-          <a:xfrm>
-            <a:off x="320040" y="4892040"/>
-            <a:ext cx="11548872" cy="1645920"/>
-          </a:xfrm>
-          <a:prstGeom prst="rect">
-            <a:avLst/>
-          </a:prstGeom>
-          <a:solidFill>
-            <a:srgbClr val="262626"/>
-          </a:solidFill>
-          <a:ln w="127000" cap="sq" cmpd="thinThick">
-            <a:noFill/>
-          </a:ln>
-        </p:spPr>
-        <p:style>
-          <a:lnRef idx="2">
-            <a:schemeClr val="accent1">
-              <a:shade val="50000"/>
-            </a:schemeClr>
-          </a:lnRef>
-          <a:fillRef idx="1">
-            <a:schemeClr val="accent1"/>
-          </a:fillRef>
-          <a:effectRef idx="0">
-            <a:schemeClr val="accent1"/>
-          </a:effectRef>
-          <a:fontRef idx="minor">
-            <a:schemeClr val="lt1"/>
-          </a:fontRef>
-        </p:style>
-        <p:txBody>
-          <a:bodyPr rtlCol="0" anchor="ctr"/>
-          <a:lstStyle/>
-          <a:p>
-            <a:pPr marL="0" marR="0" lvl="0" indent="0" algn="ctr" defTabSz="914400" rtl="0" eaLnBrk="1" fontAlgn="auto" latinLnBrk="0" hangingPunct="1">
-              <a:lnSpc>
-                <a:spcPct val="100000"/>
-              </a:lnSpc>
-              <a:spcBef>
-                <a:spcPts val="0"/>
-              </a:spcBef>
-              <a:spcAft>
-                <a:spcPts val="0"/>
-              </a:spcAft>
-              <a:buClrTx/>
-              <a:buSzTx/>
-              <a:buFontTx/>
-              <a:buNone/>
-              <a:tabLst/>
-              <a:defRPr/>
-            </a:pPr>
-            <a:endParaRPr kumimoji="0" lang="en-US" sz="1800" b="0" i="0" u="none" strike="noStrike" kern="1200" cap="none" spc="0" normalizeH="0" baseline="0" noProof="0">
-              <a:ln>
-                <a:noFill/>
-              </a:ln>
-              <a:solidFill>
-                <a:prstClr val="white"/>
-              </a:solidFill>
-              <a:effectLst/>
-              <a:uLnTx/>
-              <a:uFillTx/>
-              <a:latin typeface="Calibri" panose="020F0502020204030204"/>
-              <a:ea typeface="+mn-ea"/>
-              <a:cs typeface="+mn-cs"/>
-            </a:endParaRPr>
-          </a:p>
-        </p:txBody>
-      </p:sp>
-      <p:sp>
-        <p:nvSpPr>
-          <p:cNvPr id="2" name="Title 1">
-            <a:extLst>
-              <a:ext uri="{FF2B5EF4-FFF2-40B4-BE49-F238E27FC236}">
-                <a16:creationId xmlns:a16="http://schemas.microsoft.com/office/drawing/2014/main" id="{951FD6DA-0007-0948-97C3-F979CA148213}"/>
-              </a:ext>
-            </a:extLst>
-          </p:cNvPr>
-          <p:cNvSpPr>
-            <a:spLocks noGrp="1"/>
-          </p:cNvSpPr>
-          <p:nvPr>
-            <p:ph type="title"/>
-          </p:nvPr>
-        </p:nvSpPr>
-        <p:spPr>
-          <a:xfrm>
-            <a:off x="718686" y="5091762"/>
-            <a:ext cx="7484787" cy="1264588"/>
-          </a:xfrm>
-        </p:spPr>
-        <p:txBody>
-          <a:bodyPr vert="horz" lIns="91440" tIns="45720" rIns="91440" bIns="45720" rtlCol="0" anchor="ctr">
-            <a:normAutofit/>
-          </a:bodyPr>
-          <a:lstStyle/>
-          <a:p>
-            <a:pPr algn="r"/>
-            <a:r>
-              <a:rPr lang="en-US" sz="4800">
-                <a:solidFill>
-                  <a:srgbClr val="FFFFFF"/>
-                </a:solidFill>
-              </a:rPr>
-              <a:t>NPV - Bivariant</a:t>
-            </a:r>
-          </a:p>
-        </p:txBody>
-      </p:sp>
-      <p:pic>
-        <p:nvPicPr>
-          <p:cNvPr id="2052" name="Picture 4">
-            <a:extLst>
-              <a:ext uri="{FF2B5EF4-FFF2-40B4-BE49-F238E27FC236}">
-                <a16:creationId xmlns:a16="http://schemas.microsoft.com/office/drawing/2014/main" id="{9278323F-A83C-C04D-A1D8-B3915B08B9B7}"/>
-              </a:ext>
-            </a:extLst>
-          </p:cNvPr>
-          <p:cNvPicPr>
-            <a:picLocks noChangeAspect="1" noChangeArrowheads="1"/>
-          </p:cNvPicPr>
-          <p:nvPr/>
-        </p:nvPicPr>
-        <p:blipFill rotWithShape="1">
-          <a:blip r:embed="rId2">
-            <a:extLst>
-              <a:ext uri="{28A0092B-C50C-407E-A947-70E740481C1C}">
-                <a14:useLocalDpi xmlns:a14="http://schemas.microsoft.com/office/drawing/2010/main" val="0"/>
-              </a:ext>
-            </a:extLst>
-          </a:blip>
-          <a:srcRect l="9574" r="4372"/>
-          <a:stretch/>
-        </p:blipFill>
-        <p:spPr bwMode="auto">
-          <a:xfrm>
-            <a:off x="320040" y="320040"/>
-            <a:ext cx="11548872" cy="4462272"/>
-          </a:xfrm>
-          <a:prstGeom prst="rect">
-            <a:avLst/>
-          </a:prstGeom>
-          <a:noFill/>
-          <a:extLst>
-            <a:ext uri="{909E8E84-426E-40DD-AFC4-6F175D3DCCD1}">
-              <a14:hiddenFill xmlns:a14="http://schemas.microsoft.com/office/drawing/2010/main">
-                <a:solidFill>
-                  <a:srgbClr val="FFFFFF"/>
-                </a:solidFill>
-              </a14:hiddenFill>
-            </a:ext>
-          </a:extLst>
-        </p:spPr>
-      </p:pic>
-      <p:cxnSp>
-        <p:nvCxnSpPr>
-          <p:cNvPr id="75" name="Straight Connector 74">
-            <a:extLst>
-              <a:ext uri="{FF2B5EF4-FFF2-40B4-BE49-F238E27FC236}">
-                <a16:creationId xmlns:a16="http://schemas.microsoft.com/office/drawing/2014/main" id="{E126E481-B945-4179-BD79-05E96E9B29E1}"/>
-              </a:ext>
-              <a:ext uri="{C183D7F6-B498-43B3-948B-1728B52AA6E4}">
-                <adec:decorative xmlns:adec="http://schemas.microsoft.com/office/drawing/2017/decorative" val="1"/>
-              </a:ext>
-            </a:extLst>
-          </p:cNvPr>
-          <p:cNvCxnSpPr>
-            <a:cxnSpLocks noGrp="1" noRot="1" noChangeAspect="1" noMove="1" noResize="1" noEditPoints="1" noAdjustHandles="1" noChangeArrowheads="1" noChangeShapeType="1"/>
-          </p:cNvCxnSpPr>
-          <p:nvPr>
-            <p:extLst>
-              <p:ext uri="{386F3935-93C4-4BCD-93E2-E3B085C9AB24}">
-                <p16:designElem xmlns:p16="http://schemas.microsoft.com/office/powerpoint/2015/main" val="1"/>
-              </p:ext>
-            </p:extLst>
-          </p:nvPr>
-        </p:nvCxnSpPr>
-        <p:spPr>
-          <a:xfrm flipV="1">
-            <a:off x="8386843" y="5264106"/>
-            <a:ext cx="0" cy="914400"/>
-          </a:xfrm>
-          <a:prstGeom prst="line">
-            <a:avLst/>
-          </a:prstGeom>
-          <a:ln w="19050">
-            <a:solidFill>
-              <a:srgbClr val="FFFFFF">
-                <a:alpha val="80000"/>
-              </a:srgbClr>
-            </a:solidFill>
-          </a:ln>
-        </p:spPr>
-        <p:style>
-          <a:lnRef idx="1">
-            <a:schemeClr val="accent1"/>
-          </a:lnRef>
-          <a:fillRef idx="0">
-            <a:schemeClr val="accent1"/>
-          </a:fillRef>
-          <a:effectRef idx="0">
-            <a:schemeClr val="accent1"/>
-          </a:effectRef>
-          <a:fontRef idx="minor">
-            <a:schemeClr val="tx1"/>
-          </a:fontRef>
-        </p:style>
-      </p:cxnSp>
-    </p:spTree>
-    <p:extLst>
-      <p:ext uri="{BB962C8B-B14F-4D97-AF65-F5344CB8AC3E}">
-        <p14:creationId xmlns:p14="http://schemas.microsoft.com/office/powerpoint/2010/main" val="4148916941"/>
-      </p:ext>
-    </p:extLst>
-  </p:cSld>
-  <p:clrMapOvr>
-    <a:masterClrMapping/>
-  </p:clrMapOvr>
-</p:sld>
-</file>
-
-<file path=ppt/slides/slide9.xml><?xml version="1.0" encoding="utf-8"?>
-<p:sld xmlns:a="http://schemas.openxmlformats.org/drawingml/2006/main" xmlns:r="http://schemas.openxmlformats.org/officeDocument/2006/relationships" xmlns:p="http://schemas.openxmlformats.org/presentationml/2006/main">
-  <p:cSld>
-    <p:bg>
-      <p:bgPr>
-        <a:solidFill>
-          <a:schemeClr val="bg1"/>
-        </a:solidFill>
-        <a:effectLst/>
-      </p:bgPr>
-    </p:bg>
-    <p:spTree>
-      <p:nvGrpSpPr>
-        <p:cNvPr id="1" name=""/>
-        <p:cNvGrpSpPr/>
-        <p:nvPr/>
-      </p:nvGrpSpPr>
-      <p:grpSpPr>
-        <a:xfrm>
-          <a:off x="0" y="0"/>
-          <a:ext cx="0" cy="0"/>
-          <a:chOff x="0" y="0"/>
-          <a:chExt cx="0" cy="0"/>
-        </a:xfrm>
-      </p:grpSpPr>
-      <p:sp>
-        <p:nvSpPr>
-          <p:cNvPr id="71" name="Rectangle 70">
-            <a:extLst>
-              <a:ext uri="{FF2B5EF4-FFF2-40B4-BE49-F238E27FC236}">
-                <a16:creationId xmlns:a16="http://schemas.microsoft.com/office/drawing/2014/main" id="{86295E7F-EA66-480B-B001-C8BE7CD61903}"/>
-              </a:ext>
-              <a:ext uri="{C183D7F6-B498-43B3-948B-1728B52AA6E4}">
-                <adec:decorative xmlns:adec="http://schemas.microsoft.com/office/drawing/2017/decorative" val="1"/>
-              </a:ext>
-            </a:extLst>
-          </p:cNvPr>
-          <p:cNvSpPr>
-            <a:spLocks noGrp="1" noRot="1" noChangeAspect="1" noMove="1" noResize="1" noEditPoints="1" noAdjustHandles="1" noChangeArrowheads="1" noChangeShapeType="1" noTextEdit="1"/>
-          </p:cNvSpPr>
-          <p:nvPr>
-            <p:extLst>
-              <p:ext uri="{386F3935-93C4-4BCD-93E2-E3B085C9AB24}">
-                <p16:designElem xmlns:p16="http://schemas.microsoft.com/office/powerpoint/2015/main" val="1"/>
-              </p:ext>
-            </p:extLst>
-          </p:nvPr>
-        </p:nvSpPr>
-        <p:spPr bwMode="ltGray">
-          <a:xfrm>
-            <a:off x="320040" y="4892040"/>
-            <a:ext cx="11548872" cy="1645920"/>
-          </a:xfrm>
-          <a:prstGeom prst="rect">
-            <a:avLst/>
-          </a:prstGeom>
-          <a:solidFill>
-            <a:srgbClr val="262626"/>
-          </a:solidFill>
-          <a:ln w="127000" cap="sq" cmpd="thinThick">
-            <a:noFill/>
-          </a:ln>
-        </p:spPr>
-        <p:style>
-          <a:lnRef idx="2">
-            <a:schemeClr val="accent1">
-              <a:shade val="50000"/>
-            </a:schemeClr>
-          </a:lnRef>
-          <a:fillRef idx="1">
-            <a:schemeClr val="accent1"/>
-          </a:fillRef>
-          <a:effectRef idx="0">
-            <a:schemeClr val="accent1"/>
-          </a:effectRef>
-          <a:fontRef idx="minor">
-            <a:schemeClr val="lt1"/>
-          </a:fontRef>
-        </p:style>
-        <p:txBody>
-          <a:bodyPr rtlCol="0" anchor="ctr"/>
-          <a:lstStyle/>
-          <a:p>
-            <a:pPr marL="0" marR="0" lvl="0" indent="0" algn="ctr" defTabSz="914400" rtl="0" eaLnBrk="1" fontAlgn="auto" latinLnBrk="0" hangingPunct="1">
-              <a:lnSpc>
-                <a:spcPct val="100000"/>
-              </a:lnSpc>
-              <a:spcBef>
-                <a:spcPts val="0"/>
-              </a:spcBef>
-              <a:spcAft>
-                <a:spcPts val="0"/>
-              </a:spcAft>
-              <a:buClrTx/>
-              <a:buSzTx/>
-              <a:buFontTx/>
-              <a:buNone/>
-              <a:tabLst/>
-              <a:defRPr/>
-            </a:pPr>
-            <a:endParaRPr kumimoji="0" lang="en-US" sz="1800" b="0" i="0" u="none" strike="noStrike" kern="1200" cap="none" spc="0" normalizeH="0" baseline="0" noProof="0">
-              <a:ln>
-                <a:noFill/>
-              </a:ln>
-              <a:solidFill>
-                <a:prstClr val="white"/>
-              </a:solidFill>
-              <a:effectLst/>
-              <a:uLnTx/>
-              <a:uFillTx/>
-              <a:latin typeface="Calibri" panose="020F0502020204030204"/>
-              <a:ea typeface="+mn-ea"/>
-              <a:cs typeface="+mn-cs"/>
-            </a:endParaRPr>
-          </a:p>
-        </p:txBody>
-      </p:sp>
-      <p:sp>
-        <p:nvSpPr>
-          <p:cNvPr id="2" name="Title 1">
-            <a:extLst>
-              <a:ext uri="{FF2B5EF4-FFF2-40B4-BE49-F238E27FC236}">
-                <a16:creationId xmlns:a16="http://schemas.microsoft.com/office/drawing/2014/main" id="{B6F7FBB5-0B9D-3743-87B6-936B774939C2}"/>
-              </a:ext>
-            </a:extLst>
-          </p:cNvPr>
-          <p:cNvSpPr>
-            <a:spLocks noGrp="1"/>
-          </p:cNvSpPr>
-          <p:nvPr>
-            <p:ph type="title"/>
-          </p:nvPr>
-        </p:nvSpPr>
-        <p:spPr>
-          <a:xfrm>
-            <a:off x="718686" y="5091762"/>
-            <a:ext cx="7484787" cy="1264588"/>
-          </a:xfrm>
-        </p:spPr>
-        <p:txBody>
-          <a:bodyPr vert="horz" lIns="91440" tIns="45720" rIns="91440" bIns="45720" rtlCol="0" anchor="ctr">
-            <a:normAutofit/>
-          </a:bodyPr>
-          <a:lstStyle/>
-          <a:p>
-            <a:pPr algn="r"/>
-            <a:r>
-              <a:rPr lang="en-US" sz="4800">
-                <a:solidFill>
-                  <a:srgbClr val="FFFFFF"/>
-                </a:solidFill>
-              </a:rPr>
-              <a:t>NPV - Bivariant</a:t>
-            </a:r>
-          </a:p>
-        </p:txBody>
-      </p:sp>
-      <p:pic>
-        <p:nvPicPr>
-          <p:cNvPr id="3074" name="Picture 2">
-            <a:extLst>
-              <a:ext uri="{FF2B5EF4-FFF2-40B4-BE49-F238E27FC236}">
-                <a16:creationId xmlns:a16="http://schemas.microsoft.com/office/drawing/2014/main" id="{8D2F1B13-2FCC-C64B-B5CB-DAF628F10493}"/>
-              </a:ext>
-            </a:extLst>
-          </p:cNvPr>
-          <p:cNvPicPr>
-            <a:picLocks noChangeAspect="1" noChangeArrowheads="1"/>
-          </p:cNvPicPr>
-          <p:nvPr/>
-        </p:nvPicPr>
-        <p:blipFill rotWithShape="1">
-          <a:blip r:embed="rId2">
-            <a:extLst>
-              <a:ext uri="{28A0092B-C50C-407E-A947-70E740481C1C}">
-                <a14:useLocalDpi xmlns:a14="http://schemas.microsoft.com/office/drawing/2010/main" val="0"/>
-              </a:ext>
-            </a:extLst>
-          </a:blip>
-          <a:srcRect t="1649" r="-1" b="1755"/>
-          <a:stretch/>
-        </p:blipFill>
-        <p:spPr bwMode="auto">
-          <a:xfrm>
-            <a:off x="320040" y="320040"/>
-            <a:ext cx="11548872" cy="4462272"/>
-          </a:xfrm>
-          <a:prstGeom prst="rect">
-            <a:avLst/>
-          </a:prstGeom>
-          <a:noFill/>
-          <a:extLst>
-            <a:ext uri="{909E8E84-426E-40DD-AFC4-6F175D3DCCD1}">
-              <a14:hiddenFill xmlns:a14="http://schemas.microsoft.com/office/drawing/2010/main">
-                <a:solidFill>
-                  <a:srgbClr val="FFFFFF"/>
-                </a:solidFill>
-              </a14:hiddenFill>
-            </a:ext>
-          </a:extLst>
-        </p:spPr>
-      </p:pic>
-      <p:cxnSp>
-        <p:nvCxnSpPr>
-          <p:cNvPr id="73" name="Straight Connector 72">
-            <a:extLst>
-              <a:ext uri="{FF2B5EF4-FFF2-40B4-BE49-F238E27FC236}">
-                <a16:creationId xmlns:a16="http://schemas.microsoft.com/office/drawing/2014/main" id="{E126E481-B945-4179-BD79-05E96E9B29E1}"/>
-              </a:ext>
-              <a:ext uri="{C183D7F6-B498-43B3-948B-1728B52AA6E4}">
-                <adec:decorative xmlns:adec="http://schemas.microsoft.com/office/drawing/2017/decorative" val="1"/>
-              </a:ext>
-            </a:extLst>
-          </p:cNvPr>
-          <p:cNvCxnSpPr>
-            <a:cxnSpLocks noGrp="1" noRot="1" noChangeAspect="1" noMove="1" noResize="1" noEditPoints="1" noAdjustHandles="1" noChangeArrowheads="1" noChangeShapeType="1"/>
-          </p:cNvCxnSpPr>
-          <p:nvPr>
-            <p:extLst>
-              <p:ext uri="{386F3935-93C4-4BCD-93E2-E3B085C9AB24}">
-                <p16:designElem xmlns:p16="http://schemas.microsoft.com/office/powerpoint/2015/main" val="1"/>
-              </p:ext>
-            </p:extLst>
-          </p:nvPr>
-        </p:nvCxnSpPr>
-        <p:spPr>
-          <a:xfrm flipV="1">
-            <a:off x="8386843" y="5264106"/>
-            <a:ext cx="0" cy="914400"/>
-          </a:xfrm>
-          <a:prstGeom prst="line">
-            <a:avLst/>
-          </a:prstGeom>
-          <a:ln w="19050">
-            <a:solidFill>
-              <a:srgbClr val="FFFFFF">
-                <a:alpha val="80000"/>
-              </a:srgbClr>
-            </a:solidFill>
-          </a:ln>
-        </p:spPr>
-        <p:style>
-          <a:lnRef idx="1">
-            <a:schemeClr val="accent1"/>
-          </a:lnRef>
-          <a:fillRef idx="0">
-            <a:schemeClr val="accent1"/>
-          </a:fillRef>
-          <a:effectRef idx="0">
-            <a:schemeClr val="accent1"/>
-          </a:effectRef>
-          <a:fontRef idx="minor">
-            <a:schemeClr val="tx1"/>
-          </a:fontRef>
-        </p:style>
-      </p:cxnSp>
-    </p:spTree>
-    <p:extLst>
-      <p:ext uri="{BB962C8B-B14F-4D97-AF65-F5344CB8AC3E}">
-        <p14:creationId xmlns:p14="http://schemas.microsoft.com/office/powerpoint/2010/main" val="3532326077"/>
+        <p14:creationId xmlns:p14="http://schemas.microsoft.com/office/powerpoint/2010/main" val="2650956977"/>
       </p:ext>
     </p:extLst>
   </p:cSld>
@@ -8594,4 +9227,90 @@
     </a:folHlink>
   </a:clrScheme>
 </a:themeOverride>
+</file>
+
+<file path=ppt/theme/themeOverride2.xml><?xml version="1.0" encoding="utf-8"?>
+<a:themeOverride xmlns:a="http://schemas.openxmlformats.org/drawingml/2006/main">
+  <a:clrScheme name="Office">
+    <a:dk1>
+      <a:sysClr val="windowText" lastClr="000000"/>
+    </a:dk1>
+    <a:lt1>
+      <a:sysClr val="window" lastClr="FFFFFF"/>
+    </a:lt1>
+    <a:dk2>
+      <a:srgbClr val="44546A"/>
+    </a:dk2>
+    <a:lt2>
+      <a:srgbClr val="E7E6E6"/>
+    </a:lt2>
+    <a:accent1>
+      <a:srgbClr val="4472C4"/>
+    </a:accent1>
+    <a:accent2>
+      <a:srgbClr val="ED7D31"/>
+    </a:accent2>
+    <a:accent3>
+      <a:srgbClr val="A5A5A5"/>
+    </a:accent3>
+    <a:accent4>
+      <a:srgbClr val="FFC000"/>
+    </a:accent4>
+    <a:accent5>
+      <a:srgbClr val="5B9BD5"/>
+    </a:accent5>
+    <a:accent6>
+      <a:srgbClr val="70AD47"/>
+    </a:accent6>
+    <a:hlink>
+      <a:srgbClr val="0563C1"/>
+    </a:hlink>
+    <a:folHlink>
+      <a:srgbClr val="954F72"/>
+    </a:folHlink>
+  </a:clrScheme>
+</a:themeOverride>
+</file>
+
+<file path=ppt/theme/themeOverride3.xml><?xml version="1.0" encoding="utf-8"?>
+<a:themeOverride xmlns:a="http://schemas.openxmlformats.org/drawingml/2006/main">
+  <a:clrScheme name="Office">
+    <a:dk1>
+      <a:sysClr val="windowText" lastClr="000000"/>
+    </a:dk1>
+    <a:lt1>
+      <a:sysClr val="window" lastClr="FFFFFF"/>
+    </a:lt1>
+    <a:dk2>
+      <a:srgbClr val="44546A"/>
+    </a:dk2>
+    <a:lt2>
+      <a:srgbClr val="E7E6E6"/>
+    </a:lt2>
+    <a:accent1>
+      <a:srgbClr val="4472C4"/>
+    </a:accent1>
+    <a:accent2>
+      <a:srgbClr val="ED7D31"/>
+    </a:accent2>
+    <a:accent3>
+      <a:srgbClr val="A5A5A5"/>
+    </a:accent3>
+    <a:accent4>
+      <a:srgbClr val="FFC000"/>
+    </a:accent4>
+    <a:accent5>
+      <a:srgbClr val="5B9BD5"/>
+    </a:accent5>
+    <a:accent6>
+      <a:srgbClr val="70AD47"/>
+    </a:accent6>
+    <a:hlink>
+      <a:srgbClr val="0563C1"/>
+    </a:hlink>
+    <a:folHlink>
+      <a:srgbClr val="954F72"/>
+    </a:folHlink>
+  </a:clrScheme>
+</a:themeOverride>
 </file>